--- a/user-studies/plots/base-template-blobplot.pptx
+++ b/user-studies/plots/base-template-blobplot.pptx
@@ -7,10 +7,11 @@
   <p:sldIdLst>
     <p:sldId id="258" r:id="rId2"/>
     <p:sldId id="272" r:id="rId3"/>
-    <p:sldId id="273" r:id="rId4"/>
-    <p:sldId id="274" r:id="rId5"/>
-    <p:sldId id="275" r:id="rId6"/>
-    <p:sldId id="276" r:id="rId7"/>
+    <p:sldId id="277" r:id="rId4"/>
+    <p:sldId id="273" r:id="rId5"/>
+    <p:sldId id="274" r:id="rId6"/>
+    <p:sldId id="275" r:id="rId7"/>
+    <p:sldId id="276" r:id="rId8"/>
   </p:sldIdLst>
   <p:sldSz cx="6840538" cy="6840538"/>
   <p:notesSz cx="6858000" cy="9144000"/>
@@ -248,7 +249,7 @@
           <a:p>
             <a:fld id="{AFC13C47-027E-BC40-85E6-9477C003E13A}" type="datetimeFigureOut">
               <a:rPr lang="en-US" smtClean="0"/>
-              <a:t>7/8/24</a:t>
+              <a:t>7/13/24</a:t>
             </a:fld>
             <a:endParaRPr lang="en-US"/>
           </a:p>
@@ -418,7 +419,7 @@
           <a:p>
             <a:fld id="{AFC13C47-027E-BC40-85E6-9477C003E13A}" type="datetimeFigureOut">
               <a:rPr lang="en-US" smtClean="0"/>
-              <a:t>7/8/24</a:t>
+              <a:t>7/13/24</a:t>
             </a:fld>
             <a:endParaRPr lang="en-US"/>
           </a:p>
@@ -598,7 +599,7 @@
           <a:p>
             <a:fld id="{AFC13C47-027E-BC40-85E6-9477C003E13A}" type="datetimeFigureOut">
               <a:rPr lang="en-US" smtClean="0"/>
-              <a:t>7/8/24</a:t>
+              <a:t>7/13/24</a:t>
             </a:fld>
             <a:endParaRPr lang="en-US"/>
           </a:p>
@@ -768,7 +769,7 @@
           <a:p>
             <a:fld id="{AFC13C47-027E-BC40-85E6-9477C003E13A}" type="datetimeFigureOut">
               <a:rPr lang="en-US" smtClean="0"/>
-              <a:t>7/8/24</a:t>
+              <a:t>7/13/24</a:t>
             </a:fld>
             <a:endParaRPr lang="en-US"/>
           </a:p>
@@ -1014,7 +1015,7 @@
           <a:p>
             <a:fld id="{AFC13C47-027E-BC40-85E6-9477C003E13A}" type="datetimeFigureOut">
               <a:rPr lang="en-US" smtClean="0"/>
-              <a:t>7/8/24</a:t>
+              <a:t>7/13/24</a:t>
             </a:fld>
             <a:endParaRPr lang="en-US"/>
           </a:p>
@@ -1246,7 +1247,7 @@
           <a:p>
             <a:fld id="{AFC13C47-027E-BC40-85E6-9477C003E13A}" type="datetimeFigureOut">
               <a:rPr lang="en-US" smtClean="0"/>
-              <a:t>7/8/24</a:t>
+              <a:t>7/13/24</a:t>
             </a:fld>
             <a:endParaRPr lang="en-US"/>
           </a:p>
@@ -1613,7 +1614,7 @@
           <a:p>
             <a:fld id="{AFC13C47-027E-BC40-85E6-9477C003E13A}" type="datetimeFigureOut">
               <a:rPr lang="en-US" smtClean="0"/>
-              <a:t>7/8/24</a:t>
+              <a:t>7/13/24</a:t>
             </a:fld>
             <a:endParaRPr lang="en-US"/>
           </a:p>
@@ -1731,7 +1732,7 @@
           <a:p>
             <a:fld id="{AFC13C47-027E-BC40-85E6-9477C003E13A}" type="datetimeFigureOut">
               <a:rPr lang="en-US" smtClean="0"/>
-              <a:t>7/8/24</a:t>
+              <a:t>7/13/24</a:t>
             </a:fld>
             <a:endParaRPr lang="en-US"/>
           </a:p>
@@ -1826,7 +1827,7 @@
           <a:p>
             <a:fld id="{AFC13C47-027E-BC40-85E6-9477C003E13A}" type="datetimeFigureOut">
               <a:rPr lang="en-US" smtClean="0"/>
-              <a:t>7/8/24</a:t>
+              <a:t>7/13/24</a:t>
             </a:fld>
             <a:endParaRPr lang="en-US"/>
           </a:p>
@@ -2103,7 +2104,7 @@
           <a:p>
             <a:fld id="{AFC13C47-027E-BC40-85E6-9477C003E13A}" type="datetimeFigureOut">
               <a:rPr lang="en-US" smtClean="0"/>
-              <a:t>7/8/24</a:t>
+              <a:t>7/13/24</a:t>
             </a:fld>
             <a:endParaRPr lang="en-US"/>
           </a:p>
@@ -2360,7 +2361,7 @@
           <a:p>
             <a:fld id="{AFC13C47-027E-BC40-85E6-9477C003E13A}" type="datetimeFigureOut">
               <a:rPr lang="en-US" smtClean="0"/>
-              <a:t>7/8/24</a:t>
+              <a:t>7/13/24</a:t>
             </a:fld>
             <a:endParaRPr lang="en-US"/>
           </a:p>
@@ -2573,7 +2574,7 @@
           <a:p>
             <a:fld id="{AFC13C47-027E-BC40-85E6-9477C003E13A}" type="datetimeFigureOut">
               <a:rPr lang="en-US" smtClean="0"/>
-              <a:t>7/8/24</a:t>
+              <a:t>7/13/24</a:t>
             </a:fld>
             <a:endParaRPr lang="en-US"/>
           </a:p>
@@ -3700,6 +3701,114 @@
           </a:p>
         </p:txBody>
       </p:sp>
+      <p:sp>
+        <p:nvSpPr>
+          <p:cNvPr id="13" name="Rectangle 12">
+            <a:extLst>
+              <a:ext uri="{FF2B5EF4-FFF2-40B4-BE49-F238E27FC236}">
+                <a16:creationId xmlns:a16="http://schemas.microsoft.com/office/drawing/2014/main" id="{43A4495B-1EDE-1025-0D4C-1176865CD0D0}"/>
+              </a:ext>
+            </a:extLst>
+          </p:cNvPr>
+          <p:cNvSpPr/>
+          <p:nvPr/>
+        </p:nvSpPr>
+        <p:spPr>
+          <a:xfrm>
+            <a:off x="675771" y="4101146"/>
+            <a:ext cx="692552" cy="555585"/>
+          </a:xfrm>
+          <a:prstGeom prst="rect">
+            <a:avLst/>
+          </a:prstGeom>
+          <a:solidFill>
+            <a:schemeClr val="bg1"/>
+          </a:solidFill>
+          <a:ln>
+            <a:solidFill>
+              <a:schemeClr val="bg1"/>
+            </a:solidFill>
+          </a:ln>
+        </p:spPr>
+        <p:style>
+          <a:lnRef idx="2">
+            <a:schemeClr val="accent1">
+              <a:shade val="15000"/>
+            </a:schemeClr>
+          </a:lnRef>
+          <a:fillRef idx="1">
+            <a:schemeClr val="accent1"/>
+          </a:fillRef>
+          <a:effectRef idx="0">
+            <a:schemeClr val="accent1"/>
+          </a:effectRef>
+          <a:fontRef idx="minor">
+            <a:schemeClr val="lt1"/>
+          </a:fontRef>
+        </p:style>
+        <p:txBody>
+          <a:bodyPr rtlCol="0" anchor="ctr"/>
+          <a:lstStyle/>
+          <a:p>
+            <a:pPr algn="ctr"/>
+            <a:endParaRPr lang="en-US"/>
+          </a:p>
+        </p:txBody>
+      </p:sp>
+      <p:sp>
+        <p:nvSpPr>
+          <p:cNvPr id="14" name="Rectangle 13">
+            <a:extLst>
+              <a:ext uri="{FF2B5EF4-FFF2-40B4-BE49-F238E27FC236}">
+                <a16:creationId xmlns:a16="http://schemas.microsoft.com/office/drawing/2014/main" id="{0233FE9D-BE7F-06B0-0883-AFF74333B509}"/>
+              </a:ext>
+            </a:extLst>
+          </p:cNvPr>
+          <p:cNvSpPr/>
+          <p:nvPr/>
+        </p:nvSpPr>
+        <p:spPr>
+          <a:xfrm>
+            <a:off x="2251856" y="5414923"/>
+            <a:ext cx="692552" cy="555585"/>
+          </a:xfrm>
+          <a:prstGeom prst="rect">
+            <a:avLst/>
+          </a:prstGeom>
+          <a:solidFill>
+            <a:schemeClr val="bg1"/>
+          </a:solidFill>
+          <a:ln>
+            <a:solidFill>
+              <a:schemeClr val="bg1"/>
+            </a:solidFill>
+          </a:ln>
+        </p:spPr>
+        <p:style>
+          <a:lnRef idx="2">
+            <a:schemeClr val="accent1">
+              <a:shade val="15000"/>
+            </a:schemeClr>
+          </a:lnRef>
+          <a:fillRef idx="1">
+            <a:schemeClr val="accent1"/>
+          </a:fillRef>
+          <a:effectRef idx="0">
+            <a:schemeClr val="accent1"/>
+          </a:effectRef>
+          <a:fontRef idx="minor">
+            <a:schemeClr val="lt1"/>
+          </a:fontRef>
+        </p:style>
+        <p:txBody>
+          <a:bodyPr rtlCol="0" anchor="ctr"/>
+          <a:lstStyle/>
+          <a:p>
+            <a:pPr algn="ctr"/>
+            <a:endParaRPr lang="en-US"/>
+          </a:p>
+        </p:txBody>
+      </p:sp>
     </p:spTree>
     <p:extLst>
       <p:ext uri="{BB962C8B-B14F-4D97-AF65-F5344CB8AC3E}">
@@ -3882,7 +3991,7 @@
         </p:nvSpPr>
         <p:spPr>
           <a:xfrm>
-            <a:off x="2307803" y="3049438"/>
+            <a:off x="675771" y="4188536"/>
             <a:ext cx="532435" cy="369332"/>
           </a:xfrm>
           <a:prstGeom prst="rect">
@@ -3909,7 +4018,7 @@
                 <a:latin typeface="Arial" panose="020B0604020202020204" pitchFamily="34" charset="0"/>
                 <a:cs typeface="Arial" panose="020B0604020202020204" pitchFamily="34" charset="0"/>
               </a:rPr>
-              <a:t>B</a:t>
+              <a:t>A</a:t>
             </a:r>
           </a:p>
         </p:txBody>
@@ -3955,7 +4064,7 @@
                 <a:latin typeface="Arial" panose="020B0604020202020204" pitchFamily="34" charset="0"/>
                 <a:cs typeface="Arial" panose="020B0604020202020204" pitchFamily="34" charset="0"/>
               </a:rPr>
-              <a:t>A</a:t>
+              <a:t>B</a:t>
             </a:r>
           </a:p>
         </p:txBody>
@@ -3974,7 +4083,7 @@
         </p:nvSpPr>
         <p:spPr>
           <a:xfrm>
-            <a:off x="520093" y="4095409"/>
+            <a:off x="2154336" y="2983711"/>
             <a:ext cx="692552" cy="555585"/>
           </a:xfrm>
           <a:prstGeom prst="rect">
@@ -4287,7 +4396,7 @@
     </p:spTree>
     <p:extLst>
       <p:ext uri="{BB962C8B-B14F-4D97-AF65-F5344CB8AC3E}">
-        <p14:creationId xmlns:p14="http://schemas.microsoft.com/office/powerpoint/2010/main" val="3790692674"/>
+        <p14:creationId xmlns:p14="http://schemas.microsoft.com/office/powerpoint/2010/main" val="3638744209"/>
       </p:ext>
     </p:extLst>
   </p:cSld>
@@ -4466,7 +4575,7 @@
         </p:nvSpPr>
         <p:spPr>
           <a:xfrm>
-            <a:off x="4252350" y="5723482"/>
+            <a:off x="2307803" y="3049438"/>
             <a:ext cx="532435" cy="369332"/>
           </a:xfrm>
           <a:prstGeom prst="rect">
@@ -4512,7 +4621,7 @@
         </p:nvSpPr>
         <p:spPr>
           <a:xfrm>
-            <a:off x="3760374" y="4147225"/>
+            <a:off x="2411973" y="5508050"/>
             <a:ext cx="532435" cy="369332"/>
           </a:xfrm>
           <a:prstGeom prst="rect">
@@ -4612,7 +4721,7 @@
         </p:nvSpPr>
         <p:spPr>
           <a:xfrm>
-            <a:off x="2315226" y="5445689"/>
+            <a:off x="3678096" y="4095409"/>
             <a:ext cx="692552" cy="555585"/>
           </a:xfrm>
           <a:prstGeom prst="rect">
@@ -4774,7 +4883,7 @@
         </p:nvSpPr>
         <p:spPr>
           <a:xfrm>
-            <a:off x="2251856" y="2984769"/>
+            <a:off x="4199921" y="5573540"/>
             <a:ext cx="692552" cy="555585"/>
           </a:xfrm>
           <a:prstGeom prst="rect">
@@ -4871,7 +4980,7 @@
     </p:spTree>
     <p:extLst>
       <p:ext uri="{BB962C8B-B14F-4D97-AF65-F5344CB8AC3E}">
-        <p14:creationId xmlns:p14="http://schemas.microsoft.com/office/powerpoint/2010/main" val="427726555"/>
+        <p14:creationId xmlns:p14="http://schemas.microsoft.com/office/powerpoint/2010/main" val="3790692674"/>
       </p:ext>
     </p:extLst>
   </p:cSld>
@@ -5050,6 +5159,590 @@
         </p:nvSpPr>
         <p:spPr>
           <a:xfrm>
+            <a:off x="4252350" y="5723482"/>
+            <a:ext cx="532435" cy="369332"/>
+          </a:xfrm>
+          <a:prstGeom prst="rect">
+            <a:avLst/>
+          </a:prstGeom>
+          <a:solidFill>
+            <a:schemeClr val="bg1"/>
+          </a:solidFill>
+          <a:ln>
+            <a:solidFill>
+              <a:schemeClr val="bg1"/>
+            </a:solidFill>
+          </a:ln>
+        </p:spPr>
+        <p:txBody>
+          <a:bodyPr wrap="square" rtlCol="0">
+            <a:spAutoFit/>
+          </a:bodyPr>
+          <a:lstStyle/>
+          <a:p>
+            <a:pPr algn="ctr"/>
+            <a:r>
+              <a:rPr lang="en-US" b="1" dirty="0">
+                <a:latin typeface="Arial" panose="020B0604020202020204" pitchFamily="34" charset="0"/>
+                <a:cs typeface="Arial" panose="020B0604020202020204" pitchFamily="34" charset="0"/>
+              </a:rPr>
+              <a:t>B</a:t>
+            </a:r>
+          </a:p>
+        </p:txBody>
+      </p:sp>
+      <p:sp>
+        <p:nvSpPr>
+          <p:cNvPr id="4" name="TextBox 3">
+            <a:extLst>
+              <a:ext uri="{FF2B5EF4-FFF2-40B4-BE49-F238E27FC236}">
+                <a16:creationId xmlns:a16="http://schemas.microsoft.com/office/drawing/2014/main" id="{41E69E52-7628-AD64-080E-D21E3831ADCD}"/>
+              </a:ext>
+            </a:extLst>
+          </p:cNvPr>
+          <p:cNvSpPr txBox="1"/>
+          <p:nvPr/>
+        </p:nvSpPr>
+        <p:spPr>
+          <a:xfrm>
+            <a:off x="3760374" y="4147225"/>
+            <a:ext cx="532435" cy="369332"/>
+          </a:xfrm>
+          <a:prstGeom prst="rect">
+            <a:avLst/>
+          </a:prstGeom>
+          <a:solidFill>
+            <a:schemeClr val="bg1"/>
+          </a:solidFill>
+          <a:ln>
+            <a:solidFill>
+              <a:schemeClr val="bg1"/>
+            </a:solidFill>
+          </a:ln>
+        </p:spPr>
+        <p:txBody>
+          <a:bodyPr wrap="square" rtlCol="0">
+            <a:spAutoFit/>
+          </a:bodyPr>
+          <a:lstStyle/>
+          <a:p>
+            <a:pPr algn="ctr"/>
+            <a:r>
+              <a:rPr lang="en-US" b="1" dirty="0">
+                <a:latin typeface="Arial" panose="020B0604020202020204" pitchFamily="34" charset="0"/>
+                <a:cs typeface="Arial" panose="020B0604020202020204" pitchFamily="34" charset="0"/>
+              </a:rPr>
+              <a:t>A</a:t>
+            </a:r>
+          </a:p>
+        </p:txBody>
+      </p:sp>
+      <p:sp>
+        <p:nvSpPr>
+          <p:cNvPr id="5" name="Rectangle 4">
+            <a:extLst>
+              <a:ext uri="{FF2B5EF4-FFF2-40B4-BE49-F238E27FC236}">
+                <a16:creationId xmlns:a16="http://schemas.microsoft.com/office/drawing/2014/main" id="{97C49D3F-DAE1-5C99-67F1-A8C8F39273D2}"/>
+              </a:ext>
+            </a:extLst>
+          </p:cNvPr>
+          <p:cNvSpPr/>
+          <p:nvPr/>
+        </p:nvSpPr>
+        <p:spPr>
+          <a:xfrm>
+            <a:off x="520093" y="4095409"/>
+            <a:ext cx="692552" cy="555585"/>
+          </a:xfrm>
+          <a:prstGeom prst="rect">
+            <a:avLst/>
+          </a:prstGeom>
+          <a:solidFill>
+            <a:schemeClr val="bg1"/>
+          </a:solidFill>
+          <a:ln>
+            <a:solidFill>
+              <a:schemeClr val="bg1"/>
+            </a:solidFill>
+          </a:ln>
+        </p:spPr>
+        <p:style>
+          <a:lnRef idx="2">
+            <a:schemeClr val="accent1">
+              <a:shade val="15000"/>
+            </a:schemeClr>
+          </a:lnRef>
+          <a:fillRef idx="1">
+            <a:schemeClr val="accent1"/>
+          </a:fillRef>
+          <a:effectRef idx="0">
+            <a:schemeClr val="accent1"/>
+          </a:effectRef>
+          <a:fontRef idx="minor">
+            <a:schemeClr val="lt1"/>
+          </a:fontRef>
+        </p:style>
+        <p:txBody>
+          <a:bodyPr rtlCol="0" anchor="ctr"/>
+          <a:lstStyle/>
+          <a:p>
+            <a:pPr algn="ctr"/>
+            <a:endParaRPr lang="en-US"/>
+          </a:p>
+        </p:txBody>
+      </p:sp>
+      <p:sp>
+        <p:nvSpPr>
+          <p:cNvPr id="7" name="Rectangle 6">
+            <a:extLst>
+              <a:ext uri="{FF2B5EF4-FFF2-40B4-BE49-F238E27FC236}">
+                <a16:creationId xmlns:a16="http://schemas.microsoft.com/office/drawing/2014/main" id="{B3019CD5-2FFE-3BDD-7EDF-427ECD6F86FD}"/>
+              </a:ext>
+            </a:extLst>
+          </p:cNvPr>
+          <p:cNvSpPr/>
+          <p:nvPr/>
+        </p:nvSpPr>
+        <p:spPr>
+          <a:xfrm>
+            <a:off x="2315226" y="5445689"/>
+            <a:ext cx="692552" cy="555585"/>
+          </a:xfrm>
+          <a:prstGeom prst="rect">
+            <a:avLst/>
+          </a:prstGeom>
+          <a:solidFill>
+            <a:schemeClr val="bg1"/>
+          </a:solidFill>
+          <a:ln>
+            <a:solidFill>
+              <a:schemeClr val="bg1"/>
+            </a:solidFill>
+          </a:ln>
+        </p:spPr>
+        <p:style>
+          <a:lnRef idx="2">
+            <a:schemeClr val="accent1">
+              <a:shade val="15000"/>
+            </a:schemeClr>
+          </a:lnRef>
+          <a:fillRef idx="1">
+            <a:schemeClr val="accent1"/>
+          </a:fillRef>
+          <a:effectRef idx="0">
+            <a:schemeClr val="accent1"/>
+          </a:effectRef>
+          <a:fontRef idx="minor">
+            <a:schemeClr val="lt1"/>
+          </a:fontRef>
+        </p:style>
+        <p:txBody>
+          <a:bodyPr rtlCol="0" anchor="ctr"/>
+          <a:lstStyle/>
+          <a:p>
+            <a:pPr algn="ctr"/>
+            <a:endParaRPr lang="en-US"/>
+          </a:p>
+        </p:txBody>
+      </p:sp>
+      <p:sp>
+        <p:nvSpPr>
+          <p:cNvPr id="8" name="Rectangle 7">
+            <a:extLst>
+              <a:ext uri="{FF2B5EF4-FFF2-40B4-BE49-F238E27FC236}">
+                <a16:creationId xmlns:a16="http://schemas.microsoft.com/office/drawing/2014/main" id="{73A70E77-8733-C83C-3D36-AA5FF429578A}"/>
+              </a:ext>
+            </a:extLst>
+          </p:cNvPr>
+          <p:cNvSpPr/>
+          <p:nvPr/>
+        </p:nvSpPr>
+        <p:spPr>
+          <a:xfrm>
+            <a:off x="5472215" y="3632951"/>
+            <a:ext cx="692552" cy="555585"/>
+          </a:xfrm>
+          <a:prstGeom prst="rect">
+            <a:avLst/>
+          </a:prstGeom>
+          <a:solidFill>
+            <a:schemeClr val="bg1"/>
+          </a:solidFill>
+          <a:ln>
+            <a:solidFill>
+              <a:schemeClr val="bg1"/>
+            </a:solidFill>
+          </a:ln>
+        </p:spPr>
+        <p:style>
+          <a:lnRef idx="2">
+            <a:schemeClr val="accent1">
+              <a:shade val="15000"/>
+            </a:schemeClr>
+          </a:lnRef>
+          <a:fillRef idx="1">
+            <a:schemeClr val="accent1"/>
+          </a:fillRef>
+          <a:effectRef idx="0">
+            <a:schemeClr val="accent1"/>
+          </a:effectRef>
+          <a:fontRef idx="minor">
+            <a:schemeClr val="lt1"/>
+          </a:fontRef>
+        </p:style>
+        <p:txBody>
+          <a:bodyPr rtlCol="0" anchor="ctr"/>
+          <a:lstStyle/>
+          <a:p>
+            <a:pPr algn="ctr"/>
+            <a:endParaRPr lang="en-US"/>
+          </a:p>
+        </p:txBody>
+      </p:sp>
+      <p:sp>
+        <p:nvSpPr>
+          <p:cNvPr id="9" name="Rectangle 8">
+            <a:extLst>
+              <a:ext uri="{FF2B5EF4-FFF2-40B4-BE49-F238E27FC236}">
+                <a16:creationId xmlns:a16="http://schemas.microsoft.com/office/drawing/2014/main" id="{1AE4F05B-9A78-B1C5-AADD-37795FC6DB58}"/>
+              </a:ext>
+            </a:extLst>
+          </p:cNvPr>
+          <p:cNvSpPr/>
+          <p:nvPr/>
+        </p:nvSpPr>
+        <p:spPr>
+          <a:xfrm>
+            <a:off x="249436" y="5723482"/>
+            <a:ext cx="692552" cy="555585"/>
+          </a:xfrm>
+          <a:prstGeom prst="rect">
+            <a:avLst/>
+          </a:prstGeom>
+          <a:solidFill>
+            <a:schemeClr val="bg1"/>
+          </a:solidFill>
+          <a:ln>
+            <a:solidFill>
+              <a:schemeClr val="bg1"/>
+            </a:solidFill>
+          </a:ln>
+        </p:spPr>
+        <p:style>
+          <a:lnRef idx="2">
+            <a:schemeClr val="accent1">
+              <a:shade val="15000"/>
+            </a:schemeClr>
+          </a:lnRef>
+          <a:fillRef idx="1">
+            <a:schemeClr val="accent1"/>
+          </a:fillRef>
+          <a:effectRef idx="0">
+            <a:schemeClr val="accent1"/>
+          </a:effectRef>
+          <a:fontRef idx="minor">
+            <a:schemeClr val="lt1"/>
+          </a:fontRef>
+        </p:style>
+        <p:txBody>
+          <a:bodyPr rtlCol="0" anchor="ctr"/>
+          <a:lstStyle/>
+          <a:p>
+            <a:pPr algn="ctr"/>
+            <a:endParaRPr lang="en-US"/>
+          </a:p>
+        </p:txBody>
+      </p:sp>
+      <p:sp>
+        <p:nvSpPr>
+          <p:cNvPr id="10" name="Rectangle 9">
+            <a:extLst>
+              <a:ext uri="{FF2B5EF4-FFF2-40B4-BE49-F238E27FC236}">
+                <a16:creationId xmlns:a16="http://schemas.microsoft.com/office/drawing/2014/main" id="{7DA2961D-67B3-698F-DAD5-BE7793FBD770}"/>
+              </a:ext>
+            </a:extLst>
+          </p:cNvPr>
+          <p:cNvSpPr/>
+          <p:nvPr/>
+        </p:nvSpPr>
+        <p:spPr>
+          <a:xfrm>
+            <a:off x="2251856" y="2984769"/>
+            <a:ext cx="692552" cy="555585"/>
+          </a:xfrm>
+          <a:prstGeom prst="rect">
+            <a:avLst/>
+          </a:prstGeom>
+          <a:solidFill>
+            <a:schemeClr val="bg1"/>
+          </a:solidFill>
+          <a:ln>
+            <a:solidFill>
+              <a:schemeClr val="bg1"/>
+            </a:solidFill>
+          </a:ln>
+        </p:spPr>
+        <p:style>
+          <a:lnRef idx="2">
+            <a:schemeClr val="accent1">
+              <a:shade val="15000"/>
+            </a:schemeClr>
+          </a:lnRef>
+          <a:fillRef idx="1">
+            <a:schemeClr val="accent1"/>
+          </a:fillRef>
+          <a:effectRef idx="0">
+            <a:schemeClr val="accent1"/>
+          </a:effectRef>
+          <a:fontRef idx="minor">
+            <a:schemeClr val="lt1"/>
+          </a:fontRef>
+        </p:style>
+        <p:txBody>
+          <a:bodyPr rtlCol="0" anchor="ctr"/>
+          <a:lstStyle/>
+          <a:p>
+            <a:pPr algn="ctr"/>
+            <a:endParaRPr lang="en-US"/>
+          </a:p>
+        </p:txBody>
+      </p:sp>
+      <p:sp>
+        <p:nvSpPr>
+          <p:cNvPr id="11" name="Rectangle 10">
+            <a:extLst>
+              <a:ext uri="{FF2B5EF4-FFF2-40B4-BE49-F238E27FC236}">
+                <a16:creationId xmlns:a16="http://schemas.microsoft.com/office/drawing/2014/main" id="{3A09CE9C-44B0-F73F-07D8-A11B44E29FC4}"/>
+              </a:ext>
+            </a:extLst>
+          </p:cNvPr>
+          <p:cNvSpPr/>
+          <p:nvPr/>
+        </p:nvSpPr>
+        <p:spPr>
+          <a:xfrm>
+            <a:off x="5766120" y="5692716"/>
+            <a:ext cx="692552" cy="555585"/>
+          </a:xfrm>
+          <a:prstGeom prst="rect">
+            <a:avLst/>
+          </a:prstGeom>
+          <a:solidFill>
+            <a:schemeClr val="bg1"/>
+          </a:solidFill>
+          <a:ln>
+            <a:solidFill>
+              <a:schemeClr val="bg1"/>
+            </a:solidFill>
+          </a:ln>
+        </p:spPr>
+        <p:style>
+          <a:lnRef idx="2">
+            <a:schemeClr val="accent1">
+              <a:shade val="15000"/>
+            </a:schemeClr>
+          </a:lnRef>
+          <a:fillRef idx="1">
+            <a:schemeClr val="accent1"/>
+          </a:fillRef>
+          <a:effectRef idx="0">
+            <a:schemeClr val="accent1"/>
+          </a:effectRef>
+          <a:fontRef idx="minor">
+            <a:schemeClr val="lt1"/>
+          </a:fontRef>
+        </p:style>
+        <p:txBody>
+          <a:bodyPr rtlCol="0" anchor="ctr"/>
+          <a:lstStyle/>
+          <a:p>
+            <a:pPr algn="ctr"/>
+            <a:endParaRPr lang="en-US"/>
+          </a:p>
+        </p:txBody>
+      </p:sp>
+    </p:spTree>
+    <p:extLst>
+      <p:ext uri="{BB962C8B-B14F-4D97-AF65-F5344CB8AC3E}">
+        <p14:creationId xmlns:p14="http://schemas.microsoft.com/office/powerpoint/2010/main" val="427726555"/>
+      </p:ext>
+    </p:extLst>
+  </p:cSld>
+  <p:clrMapOvr>
+    <a:masterClrMapping/>
+  </p:clrMapOvr>
+</p:sld>
+</file>
+
+<file path=ppt/slides/slide6.xml><?xml version="1.0" encoding="utf-8"?>
+<p:sld xmlns:a="http://schemas.openxmlformats.org/drawingml/2006/main" xmlns:r="http://schemas.openxmlformats.org/officeDocument/2006/relationships" xmlns:p="http://schemas.openxmlformats.org/presentationml/2006/main">
+  <p:cSld>
+    <p:spTree>
+      <p:nvGrpSpPr>
+        <p:cNvPr id="1" name=""/>
+        <p:cNvGrpSpPr/>
+        <p:nvPr/>
+      </p:nvGrpSpPr>
+      <p:grpSpPr>
+        <a:xfrm>
+          <a:off x="0" y="0"/>
+          <a:ext cx="0" cy="0"/>
+          <a:chOff x="0" y="0"/>
+          <a:chExt cx="0" cy="0"/>
+        </a:xfrm>
+      </p:grpSpPr>
+      <p:sp>
+        <p:nvSpPr>
+          <p:cNvPr id="6" name="Rectangle 5">
+            <a:extLst>
+              <a:ext uri="{FF2B5EF4-FFF2-40B4-BE49-F238E27FC236}">
+                <a16:creationId xmlns:a16="http://schemas.microsoft.com/office/drawing/2014/main" id="{A616E7CF-9EF0-EFE8-6192-5DA0436CB259}"/>
+              </a:ext>
+            </a:extLst>
+          </p:cNvPr>
+          <p:cNvSpPr/>
+          <p:nvPr/>
+        </p:nvSpPr>
+        <p:spPr>
+          <a:xfrm>
+            <a:off x="6192456" y="92597"/>
+            <a:ext cx="532435" cy="555585"/>
+          </a:xfrm>
+          <a:prstGeom prst="rect">
+            <a:avLst/>
+          </a:prstGeom>
+          <a:solidFill>
+            <a:schemeClr val="bg1"/>
+          </a:solidFill>
+          <a:ln>
+            <a:solidFill>
+              <a:schemeClr val="bg1"/>
+            </a:solidFill>
+          </a:ln>
+        </p:spPr>
+        <p:style>
+          <a:lnRef idx="2">
+            <a:schemeClr val="accent1">
+              <a:shade val="15000"/>
+            </a:schemeClr>
+          </a:lnRef>
+          <a:fillRef idx="1">
+            <a:schemeClr val="accent1"/>
+          </a:fillRef>
+          <a:effectRef idx="0">
+            <a:schemeClr val="accent1"/>
+          </a:effectRef>
+          <a:fontRef idx="minor">
+            <a:schemeClr val="lt1"/>
+          </a:fontRef>
+        </p:style>
+        <p:txBody>
+          <a:bodyPr rtlCol="0" anchor="ctr"/>
+          <a:lstStyle/>
+          <a:p>
+            <a:pPr algn="ctr"/>
+            <a:endParaRPr lang="en-US"/>
+          </a:p>
+        </p:txBody>
+      </p:sp>
+      <p:sp>
+        <p:nvSpPr>
+          <p:cNvPr id="12" name="Rectangle 11">
+            <a:extLst>
+              <a:ext uri="{FF2B5EF4-FFF2-40B4-BE49-F238E27FC236}">
+                <a16:creationId xmlns:a16="http://schemas.microsoft.com/office/drawing/2014/main" id="{4A6CD171-8498-1E11-9409-47CEB755290F}"/>
+              </a:ext>
+            </a:extLst>
+          </p:cNvPr>
+          <p:cNvSpPr/>
+          <p:nvPr/>
+        </p:nvSpPr>
+        <p:spPr>
+          <a:xfrm>
+            <a:off x="6192455" y="162045"/>
+            <a:ext cx="532435" cy="555585"/>
+          </a:xfrm>
+          <a:prstGeom prst="rect">
+            <a:avLst/>
+          </a:prstGeom>
+          <a:solidFill>
+            <a:schemeClr val="bg1"/>
+          </a:solidFill>
+          <a:ln>
+            <a:solidFill>
+              <a:schemeClr val="bg1"/>
+            </a:solidFill>
+          </a:ln>
+        </p:spPr>
+        <p:style>
+          <a:lnRef idx="2">
+            <a:schemeClr val="accent1">
+              <a:shade val="15000"/>
+            </a:schemeClr>
+          </a:lnRef>
+          <a:fillRef idx="1">
+            <a:schemeClr val="accent1"/>
+          </a:fillRef>
+          <a:effectRef idx="0">
+            <a:schemeClr val="accent1"/>
+          </a:effectRef>
+          <a:fontRef idx="minor">
+            <a:schemeClr val="lt1"/>
+          </a:fontRef>
+        </p:style>
+        <p:txBody>
+          <a:bodyPr rtlCol="0" anchor="ctr"/>
+          <a:lstStyle/>
+          <a:p>
+            <a:pPr algn="ctr"/>
+            <a:endParaRPr lang="en-US"/>
+          </a:p>
+        </p:txBody>
+      </p:sp>
+      <p:pic>
+        <p:nvPicPr>
+          <p:cNvPr id="3" name="Picture 2">
+            <a:extLst>
+              <a:ext uri="{FF2B5EF4-FFF2-40B4-BE49-F238E27FC236}">
+                <a16:creationId xmlns:a16="http://schemas.microsoft.com/office/drawing/2014/main" id="{DF1DF0CE-1707-8592-EEC3-E8033EEDE565}"/>
+              </a:ext>
+            </a:extLst>
+          </p:cNvPr>
+          <p:cNvPicPr>
+            <a:picLocks noChangeAspect="1"/>
+          </p:cNvPicPr>
+          <p:nvPr/>
+        </p:nvPicPr>
+        <p:blipFill>
+          <a:blip r:embed="rId2"/>
+          <a:stretch>
+            <a:fillRect/>
+          </a:stretch>
+        </p:blipFill>
+        <p:spPr>
+          <a:xfrm>
+            <a:off x="0" y="0"/>
+            <a:ext cx="6840538" cy="6840538"/>
+          </a:xfrm>
+          <a:prstGeom prst="rect">
+            <a:avLst/>
+          </a:prstGeom>
+        </p:spPr>
+      </p:pic>
+      <p:sp>
+        <p:nvSpPr>
+          <p:cNvPr id="2" name="TextBox 1">
+            <a:extLst>
+              <a:ext uri="{FF2B5EF4-FFF2-40B4-BE49-F238E27FC236}">
+                <a16:creationId xmlns:a16="http://schemas.microsoft.com/office/drawing/2014/main" id="{B77F2974-97F9-6E4A-0ACF-85C1B53E834B}"/>
+              </a:ext>
+            </a:extLst>
+          </p:cNvPr>
+          <p:cNvSpPr txBox="1"/>
+          <p:nvPr/>
+        </p:nvSpPr>
+        <p:spPr>
+          <a:xfrm>
             <a:off x="542276" y="5964522"/>
             <a:ext cx="532435" cy="369332"/>
           </a:xfrm>
@@ -5465,7 +6158,7 @@
 </p:sld>
 </file>
 
-<file path=ppt/slides/slide6.xml><?xml version="1.0" encoding="utf-8"?>
+<file path=ppt/slides/slide7.xml><?xml version="1.0" encoding="utf-8"?>
 <p:sld xmlns:a="http://schemas.openxmlformats.org/drawingml/2006/main" xmlns:r="http://schemas.openxmlformats.org/officeDocument/2006/relationships" xmlns:p="http://schemas.openxmlformats.org/presentationml/2006/main">
   <p:cSld>
     <p:spTree>
